--- a/Latex/Figures/Chapter1/fig_boundary_layer.pptx
+++ b/Latex/Figures/Chapter1/fig_boundary_layer.pptx
@@ -104,6 +104,11 @@
       </a:defRPr>
     </a:lvl9pPr>
   </p:defaultTextStyle>
+  <p:extLst>
+    <p:ext uri="{EFAFB233-063F-42B5-8137-9DF3F51BA10A}">
+      <p15:sldGuideLst xmlns:p15="http://schemas.microsoft.com/office/powerpoint/2012/main"/>
+    </p:ext>
+  </p:extLst>
 </p:presentation>
 </file>
 
@@ -238,7 +243,7 @@
           <a:p>
             <a:fld id="{A8F48D5B-9275-4A08-B238-9C7CECCD580A}" type="datetimeFigureOut">
               <a:rPr lang="en-US" smtClean="0"/>
-              <a:t>5/24/2018</a:t>
+              <a:t>7/5/2019</a:t>
             </a:fld>
             <a:endParaRPr lang="en-US"/>
           </a:p>
@@ -408,7 +413,7 @@
           <a:p>
             <a:fld id="{A8F48D5B-9275-4A08-B238-9C7CECCD580A}" type="datetimeFigureOut">
               <a:rPr lang="en-US" smtClean="0"/>
-              <a:t>5/24/2018</a:t>
+              <a:t>7/5/2019</a:t>
             </a:fld>
             <a:endParaRPr lang="en-US"/>
           </a:p>
@@ -588,7 +593,7 @@
           <a:p>
             <a:fld id="{A8F48D5B-9275-4A08-B238-9C7CECCD580A}" type="datetimeFigureOut">
               <a:rPr lang="en-US" smtClean="0"/>
-              <a:t>5/24/2018</a:t>
+              <a:t>7/5/2019</a:t>
             </a:fld>
             <a:endParaRPr lang="en-US"/>
           </a:p>
@@ -758,7 +763,7 @@
           <a:p>
             <a:fld id="{A8F48D5B-9275-4A08-B238-9C7CECCD580A}" type="datetimeFigureOut">
               <a:rPr lang="en-US" smtClean="0"/>
-              <a:t>5/24/2018</a:t>
+              <a:t>7/5/2019</a:t>
             </a:fld>
             <a:endParaRPr lang="en-US"/>
           </a:p>
@@ -1002,7 +1007,7 @@
           <a:p>
             <a:fld id="{A8F48D5B-9275-4A08-B238-9C7CECCD580A}" type="datetimeFigureOut">
               <a:rPr lang="en-US" smtClean="0"/>
-              <a:t>5/24/2018</a:t>
+              <a:t>7/5/2019</a:t>
             </a:fld>
             <a:endParaRPr lang="en-US"/>
           </a:p>
@@ -1234,7 +1239,7 @@
           <a:p>
             <a:fld id="{A8F48D5B-9275-4A08-B238-9C7CECCD580A}" type="datetimeFigureOut">
               <a:rPr lang="en-US" smtClean="0"/>
-              <a:t>5/24/2018</a:t>
+              <a:t>7/5/2019</a:t>
             </a:fld>
             <a:endParaRPr lang="en-US"/>
           </a:p>
@@ -1601,7 +1606,7 @@
           <a:p>
             <a:fld id="{A8F48D5B-9275-4A08-B238-9C7CECCD580A}" type="datetimeFigureOut">
               <a:rPr lang="en-US" smtClean="0"/>
-              <a:t>5/24/2018</a:t>
+              <a:t>7/5/2019</a:t>
             </a:fld>
             <a:endParaRPr lang="en-US"/>
           </a:p>
@@ -1719,7 +1724,7 @@
           <a:p>
             <a:fld id="{A8F48D5B-9275-4A08-B238-9C7CECCD580A}" type="datetimeFigureOut">
               <a:rPr lang="en-US" smtClean="0"/>
-              <a:t>5/24/2018</a:t>
+              <a:t>7/5/2019</a:t>
             </a:fld>
             <a:endParaRPr lang="en-US"/>
           </a:p>
@@ -1814,7 +1819,7 @@
           <a:p>
             <a:fld id="{A8F48D5B-9275-4A08-B238-9C7CECCD580A}" type="datetimeFigureOut">
               <a:rPr lang="en-US" smtClean="0"/>
-              <a:t>5/24/2018</a:t>
+              <a:t>7/5/2019</a:t>
             </a:fld>
             <a:endParaRPr lang="en-US"/>
           </a:p>
@@ -2091,7 +2096,7 @@
           <a:p>
             <a:fld id="{A8F48D5B-9275-4A08-B238-9C7CECCD580A}" type="datetimeFigureOut">
               <a:rPr lang="en-US" smtClean="0"/>
-              <a:t>5/24/2018</a:t>
+              <a:t>7/5/2019</a:t>
             </a:fld>
             <a:endParaRPr lang="en-US"/>
           </a:p>
@@ -2348,7 +2353,7 @@
           <a:p>
             <a:fld id="{A8F48D5B-9275-4A08-B238-9C7CECCD580A}" type="datetimeFigureOut">
               <a:rPr lang="en-US" smtClean="0"/>
-              <a:t>5/24/2018</a:t>
+              <a:t>7/5/2019</a:t>
             </a:fld>
             <a:endParaRPr lang="en-US"/>
           </a:p>
@@ -2561,7 +2566,7 @@
           <a:p>
             <a:fld id="{A8F48D5B-9275-4A08-B238-9C7CECCD580A}" type="datetimeFigureOut">
               <a:rPr lang="en-US" smtClean="0"/>
-              <a:t>5/24/2018</a:t>
+              <a:t>7/5/2019</a:t>
             </a:fld>
             <a:endParaRPr lang="en-US"/>
           </a:p>
@@ -3586,7 +3591,7 @@
         <p:spPr>
           <a:xfrm>
             <a:off x="3250117" y="1966364"/>
-            <a:ext cx="1614545" cy="369332"/>
+            <a:ext cx="1645002" cy="369332"/>
           </a:xfrm>
           <a:prstGeom prst="rect">
             <a:avLst/>
@@ -3601,16 +3606,16 @@
           <a:p>
             <a:r>
               <a:rPr lang="en-US" dirty="0" smtClean="0">
-                <a:latin typeface="Times New Roman" panose="02020603050405020304" pitchFamily="18" charset="0"/>
-                <a:ea typeface="Roboto" panose="02000000000000000000" pitchFamily="2" charset="0"/>
-                <a:cs typeface="Times New Roman" panose="02020603050405020304" pitchFamily="18" charset="0"/>
+                <a:latin typeface="Linux Libertine" panose="02000503000000000000" pitchFamily="2" charset="0"/>
+                <a:ea typeface="Linux Libertine" panose="02000503000000000000" pitchFamily="2" charset="0"/>
+                <a:cs typeface="Linux Libertine" panose="02000503000000000000" pitchFamily="2" charset="0"/>
               </a:rPr>
               <a:t>Boundary layer</a:t>
             </a:r>
             <a:endParaRPr lang="en-US" sz="4000" dirty="0">
-              <a:latin typeface="Times New Roman" panose="02020603050405020304" pitchFamily="18" charset="0"/>
-              <a:ea typeface="Roboto" panose="02000000000000000000" pitchFamily="2" charset="0"/>
-              <a:cs typeface="Times New Roman" panose="02020603050405020304" pitchFamily="18" charset="0"/>
+              <a:latin typeface="Linux Libertine" panose="02000503000000000000" pitchFamily="2" charset="0"/>
+              <a:ea typeface="Linux Libertine" panose="02000503000000000000" pitchFamily="2" charset="0"/>
+              <a:cs typeface="Linux Libertine" panose="02000503000000000000" pitchFamily="2" charset="0"/>
             </a:endParaRPr>
           </a:p>
         </p:txBody>
@@ -3639,16 +3644,16 @@
           <a:p>
             <a:r>
               <a:rPr lang="en-US" dirty="0" smtClean="0">
-                <a:latin typeface="Times New Roman" panose="02020603050405020304" pitchFamily="18" charset="0"/>
-                <a:ea typeface="Roboto" panose="02000000000000000000" pitchFamily="2" charset="0"/>
-                <a:cs typeface="Times New Roman" panose="02020603050405020304" pitchFamily="18" charset="0"/>
+                <a:latin typeface="Linux Libertine" panose="02000503000000000000" pitchFamily="2" charset="0"/>
+                <a:ea typeface="Linux Libertine" panose="02000503000000000000" pitchFamily="2" charset="0"/>
+                <a:cs typeface="Linux Libertine" panose="02000503000000000000" pitchFamily="2" charset="0"/>
               </a:rPr>
               <a:t>Inviscid fluid</a:t>
             </a:r>
             <a:endParaRPr lang="en-US" sz="4000" dirty="0">
-              <a:latin typeface="Times New Roman" panose="02020603050405020304" pitchFamily="18" charset="0"/>
-              <a:ea typeface="Roboto" panose="02000000000000000000" pitchFamily="2" charset="0"/>
-              <a:cs typeface="Times New Roman" panose="02020603050405020304" pitchFamily="18" charset="0"/>
+              <a:latin typeface="Linux Libertine" panose="02000503000000000000" pitchFamily="2" charset="0"/>
+              <a:ea typeface="Linux Libertine" panose="02000503000000000000" pitchFamily="2" charset="0"/>
+              <a:cs typeface="Linux Libertine" panose="02000503000000000000" pitchFamily="2" charset="0"/>
             </a:endParaRPr>
           </a:p>
         </p:txBody>
@@ -3663,6 +3668,13 @@
   <p:clrMapOvr>
     <a:masterClrMapping/>
   </p:clrMapOvr>
+  <p:timing>
+    <p:tnLst>
+      <p:par>
+        <p:cTn id="1" dur="indefinite" restart="never" nodeType="tmRoot"/>
+      </p:par>
+    </p:tnLst>
+  </p:timing>
 </p:sld>
 </file>
 
